--- a/slides/Unit22_Efficiency.pptx
+++ b/slides/Unit22_Efficiency.pptx
@@ -3892,7 +3892,7 @@
   <pc:docChgLst>
     <pc:chgData name="Zhao Jin" userId="cd05a825-544c-438a-9ba1-08e63db50b47" providerId="ADAL" clId="{9D796FCA-B7C4-44EF-86F2-D144E4D635CD}"/>
     <pc:docChg chg="undo custSel addSld delSld modSld sldOrd modMainMaster">
-      <pc:chgData name="Zhao Jin" userId="cd05a825-544c-438a-9ba1-08e63db50b47" providerId="ADAL" clId="{9D796FCA-B7C4-44EF-86F2-D144E4D635CD}" dt="2021-03-10T10:43:04.272" v="7480"/>
+      <pc:chgData name="Zhao Jin" userId="cd05a825-544c-438a-9ba1-08e63db50b47" providerId="ADAL" clId="{9D796FCA-B7C4-44EF-86F2-D144E4D635CD}" dt="2021-03-15T04:07:01.095" v="7605" actId="20577"/>
       <pc:docMkLst>
         <pc:docMk/>
       </pc:docMkLst>
@@ -4642,7 +4642,7 @@
         </pc:grpChg>
       </pc:sldChg>
       <pc:sldChg chg="addSp delSp modSp mod addAnim delAnim">
-        <pc:chgData name="Zhao Jin" userId="cd05a825-544c-438a-9ba1-08e63db50b47" providerId="ADAL" clId="{9D796FCA-B7C4-44EF-86F2-D144E4D635CD}" dt="2021-03-10T09:36:31.115" v="6335" actId="20577"/>
+        <pc:chgData name="Zhao Jin" userId="cd05a825-544c-438a-9ba1-08e63db50b47" providerId="ADAL" clId="{9D796FCA-B7C4-44EF-86F2-D144E4D635CD}" dt="2021-03-15T04:06:43.134" v="7599" actId="20577"/>
         <pc:sldMkLst>
           <pc:docMk/>
           <pc:sldMk cId="3454948446" sldId="636"/>
@@ -4664,7 +4664,7 @@
           </ac:spMkLst>
         </pc:spChg>
         <pc:spChg chg="add del mod">
-          <ac:chgData name="Zhao Jin" userId="cd05a825-544c-438a-9ba1-08e63db50b47" providerId="ADAL" clId="{9D796FCA-B7C4-44EF-86F2-D144E4D635CD}" dt="2021-03-10T07:42:14.897" v="3669" actId="6549"/>
+          <ac:chgData name="Zhao Jin" userId="cd05a825-544c-438a-9ba1-08e63db50b47" providerId="ADAL" clId="{9D796FCA-B7C4-44EF-86F2-D144E4D635CD}" dt="2021-03-15T04:06:43.134" v="7599" actId="20577"/>
           <ac:spMkLst>
             <pc:docMk/>
             <pc:sldMk cId="3454948446" sldId="636"/>
@@ -4819,7 +4819,7 @@
         </pc:spChg>
       </pc:sldChg>
       <pc:sldChg chg="addSp delSp modSp add mod addAnim delAnim">
-        <pc:chgData name="Zhao Jin" userId="cd05a825-544c-438a-9ba1-08e63db50b47" providerId="ADAL" clId="{9D796FCA-B7C4-44EF-86F2-D144E4D635CD}" dt="2021-03-10T07:17:10.806" v="2277" actId="1035"/>
+        <pc:chgData name="Zhao Jin" userId="cd05a825-544c-438a-9ba1-08e63db50b47" providerId="ADAL" clId="{9D796FCA-B7C4-44EF-86F2-D144E4D635CD}" dt="2021-03-15T04:06:30.092" v="7596" actId="20577"/>
         <pc:sldMkLst>
           <pc:docMk/>
           <pc:sldMk cId="2049190575" sldId="644"/>
@@ -4841,7 +4841,7 @@
           </ac:spMkLst>
         </pc:spChg>
         <pc:spChg chg="mod">
-          <ac:chgData name="Zhao Jin" userId="cd05a825-544c-438a-9ba1-08e63db50b47" providerId="ADAL" clId="{9D796FCA-B7C4-44EF-86F2-D144E4D635CD}" dt="2021-03-10T07:17:06.755" v="2264" actId="6549"/>
+          <ac:chgData name="Zhao Jin" userId="cd05a825-544c-438a-9ba1-08e63db50b47" providerId="ADAL" clId="{9D796FCA-B7C4-44EF-86F2-D144E4D635CD}" dt="2021-03-15T04:06:30.092" v="7596" actId="20577"/>
           <ac:spMkLst>
             <pc:docMk/>
             <pc:sldMk cId="2049190575" sldId="644"/>
@@ -5496,13 +5496,13 @@
         </pc:spChg>
       </pc:sldChg>
       <pc:sldChg chg="addSp delSp modSp add mod">
-        <pc:chgData name="Zhao Jin" userId="cd05a825-544c-438a-9ba1-08e63db50b47" providerId="ADAL" clId="{9D796FCA-B7C4-44EF-86F2-D144E4D635CD}" dt="2021-03-10T10:43:04.272" v="7480"/>
+        <pc:chgData name="Zhao Jin" userId="cd05a825-544c-438a-9ba1-08e63db50b47" providerId="ADAL" clId="{9D796FCA-B7C4-44EF-86F2-D144E4D635CD}" dt="2021-03-15T04:06:53.217" v="7603" actId="20577"/>
         <pc:sldMkLst>
           <pc:docMk/>
           <pc:sldMk cId="3534569394" sldId="647"/>
         </pc:sldMkLst>
         <pc:spChg chg="mod">
-          <ac:chgData name="Zhao Jin" userId="cd05a825-544c-438a-9ba1-08e63db50b47" providerId="ADAL" clId="{9D796FCA-B7C4-44EF-86F2-D144E4D635CD}" dt="2021-03-10T10:43:04.272" v="7480"/>
+          <ac:chgData name="Zhao Jin" userId="cd05a825-544c-438a-9ba1-08e63db50b47" providerId="ADAL" clId="{9D796FCA-B7C4-44EF-86F2-D144E4D635CD}" dt="2021-03-15T04:06:53.217" v="7603" actId="20577"/>
           <ac:spMkLst>
             <pc:docMk/>
             <pc:sldMk cId="3534569394" sldId="647"/>
@@ -5542,7 +5542,7 @@
         </pc:sldMkLst>
       </pc:sldChg>
       <pc:sldChg chg="addSp delSp modSp add mod modAnim">
-        <pc:chgData name="Zhao Jin" userId="cd05a825-544c-438a-9ba1-08e63db50b47" providerId="ADAL" clId="{9D796FCA-B7C4-44EF-86F2-D144E4D635CD}" dt="2021-03-10T10:43:04.272" v="7480"/>
+        <pc:chgData name="Zhao Jin" userId="cd05a825-544c-438a-9ba1-08e63db50b47" providerId="ADAL" clId="{9D796FCA-B7C4-44EF-86F2-D144E4D635CD}" dt="2021-03-15T04:07:01.095" v="7605" actId="20577"/>
         <pc:sldMkLst>
           <pc:docMk/>
           <pc:sldMk cId="3615520278" sldId="648"/>
@@ -5572,7 +5572,7 @@
           </ac:spMkLst>
         </pc:spChg>
         <pc:spChg chg="mod">
-          <ac:chgData name="Zhao Jin" userId="cd05a825-544c-438a-9ba1-08e63db50b47" providerId="ADAL" clId="{9D796FCA-B7C4-44EF-86F2-D144E4D635CD}" dt="2021-03-10T10:43:04.272" v="7480"/>
+          <ac:chgData name="Zhao Jin" userId="cd05a825-544c-438a-9ba1-08e63db50b47" providerId="ADAL" clId="{9D796FCA-B7C4-44EF-86F2-D144E4D635CD}" dt="2021-03-15T04:07:01.095" v="7605" actId="20577"/>
           <ac:spMkLst>
             <pc:docMk/>
             <pc:sldMk cId="3615520278" sldId="648"/>
@@ -11594,7 +11594,7 @@
               <a:pPr>
                 <a:defRPr/>
               </a:pPr>
-              <a:t>3/10/2021</a:t>
+              <a:t>3/15/2021</a:t>
             </a:fld>
             <a:endParaRPr lang="en-US" dirty="0"/>
           </a:p>
@@ -26720,7 +26720,7 @@
             </a:pPr>
             <a:r>
               <a:rPr lang="en-US" dirty="0"/>
-              <a:t>9 is a factor, which is bigger than 4.</a:t>
+              <a:t>If there is a factor greater than 4 (e.g., 9)…</a:t>
             </a:r>
           </a:p>
           <a:p>
@@ -26743,7 +26743,7 @@
             </a:pPr>
             <a:r>
               <a:rPr lang="en-US" dirty="0"/>
-              <a:t>But we would have returned false at 18 / 9 = 2, which is less than 4.</a:t>
+              <a:t>We would have returned false at n /k (i.e., 18 / 9), which is less than 4.</a:t>
             </a:r>
           </a:p>
           <a:p>
@@ -26766,7 +26766,7 @@
             </a:pPr>
             <a:r>
               <a:rPr lang="en-US" dirty="0"/>
-              <a:t>Therefore. it is safe to only check up to 4.</a:t>
+              <a:t>Therefore, it is safe to only check up to 4.</a:t>
             </a:r>
           </a:p>
         </p:txBody>
@@ -28930,7 +28930,7 @@
             </a:pPr>
             <a:r>
               <a:rPr lang="en-GB" dirty="0"/>
-              <a:t>n – 1 iterations</a:t>
+              <a:t>n – 2 iterations</a:t>
             </a:r>
           </a:p>
           <a:p>
@@ -28976,7 +28976,7 @@
             </a:pPr>
             <a:r>
               <a:rPr lang="en-GB" dirty="0"/>
-              <a:t>7n – 5 in total</a:t>
+              <a:t>7n – 12 in total</a:t>
             </a:r>
           </a:p>
           <a:p>
@@ -29810,7 +29810,7 @@
                 </a:pPr>
                 <a:r>
                   <a:rPr lang="en-GB" dirty="0"/>
-                  <a:t>Order of growth: How quickly does the number of steps growth with respected to n?</a:t>
+                  <a:t>Order of growth: How quickly does the number of steps grow with respect to n?</a:t>
                 </a:r>
               </a:p>
               <a:p>
@@ -30580,7 +30580,7 @@
             </a:pPr>
             <a:r>
               <a:rPr lang="en-GB" dirty="0"/>
-              <a:t>Initial computation: 7n – 7</a:t>
+              <a:t>Initial computation: 7n – 12</a:t>
             </a:r>
           </a:p>
           <a:p>
